--- a/resources/ppt-slides/while-loop-splashkit.pptx
+++ b/resources/ppt-slides/while-loop-splashkit.pptx
@@ -3049,11 +3049,11 @@
               </a:pPr>
               <a:r>
                 <a:rPr lang="en-AU" sz="1200" dirty="0"/>
-                <a:t>using static </a:t>
+                <a:t/>
               </a:r>
               <a:r>
                 <a:rPr lang="en-AU" sz="1200" dirty="0" err="1"/>
-                <a:t>SplashKitSDK.SplashKit</a:t>
+                <a:t>#include "splashkit.h"</a:t>
               </a:r>
               <a:r>
                 <a:rPr lang="en-AU" sz="1200" dirty="0"/>
@@ -3080,7 +3080,7 @@
               </a:pPr>
               <a:r>
                 <a:rPr lang="en-AU" sz="1200" dirty="0" err="1"/>
-                <a:t>OpenWindow</a:t>
+                <a:t>open_window</a:t>
               </a:r>
               <a:r>
                 <a:rPr lang="en-AU" sz="1200" dirty="0"/>
@@ -3100,7 +3100,7 @@
                     </a:schemeClr>
                   </a:solidFill>
                 </a:rPr>
-                <a:t>ClearScreen</a:t>
+                <a:t>clear_screen</a:t>
               </a:r>
               <a:r>
                 <a:rPr lang="en-AU" sz="1200" dirty="0">
@@ -3120,7 +3120,7 @@
                     </a:schemeClr>
                   </a:solidFill>
                 </a:rPr>
-                <a:t>ColorYellow</a:t>
+                <a:t>color_yellow</a:t>
               </a:r>
               <a:r>
                 <a:rPr lang="en-AU" sz="1200" dirty="0">
@@ -3169,7 +3169,7 @@
                     </a:schemeClr>
                   </a:solidFill>
                 </a:rPr>
-                <a:t>QuitRequested</a:t>
+                <a:t>quit_requested</a:t>
               </a:r>
               <a:r>
                 <a:rPr lang="en-AU" sz="1200" dirty="0">
@@ -3221,7 +3221,7 @@
                     </a:schemeClr>
                   </a:solidFill>
                 </a:rPr>
-                <a:t>FillCircle</a:t>
+                <a:t>fill_circle</a:t>
               </a:r>
               <a:r>
                 <a:rPr lang="en-AU" sz="1200" dirty="0">
@@ -3241,7 +3241,7 @@
                     </a:schemeClr>
                   </a:solidFill>
                 </a:rPr>
-                <a:t>RandomColor</a:t>
+                <a:t>random_color</a:t>
               </a:r>
               <a:r>
                 <a:rPr lang="en-AU" sz="1200" dirty="0">
@@ -3261,7 +3261,7 @@
                     </a:schemeClr>
                   </a:solidFill>
                 </a:rPr>
-                <a:t>Rnd</a:t>
+                <a:t>rnd</a:t>
               </a:r>
               <a:r>
                 <a:rPr lang="en-AU" sz="1200" dirty="0">
@@ -3281,7 +3281,7 @@
                     </a:schemeClr>
                   </a:solidFill>
                 </a:rPr>
-                <a:t>ScreenWidth</a:t>
+                <a:t>screen_width</a:t>
               </a:r>
               <a:r>
                 <a:rPr lang="en-AU" sz="1200" dirty="0">
@@ -3301,7 +3301,7 @@
                     </a:schemeClr>
                   </a:solidFill>
                 </a:rPr>
-                <a:t>Rnd</a:t>
+                <a:t>rnd</a:t>
               </a:r>
               <a:r>
                 <a:rPr lang="en-AU" sz="1200" dirty="0">
@@ -3321,7 +3321,7 @@
                     </a:schemeClr>
                   </a:solidFill>
                 </a:rPr>
-                <a:t>ScreenHeight</a:t>
+                <a:t>screen_height</a:t>
               </a:r>
               <a:r>
                 <a:rPr lang="en-AU" sz="1200" dirty="0">
@@ -3341,7 +3341,7 @@
                     </a:schemeClr>
                   </a:solidFill>
                 </a:rPr>
-                <a:t>Rnd</a:t>
+                <a:t>rnd</a:t>
               </a:r>
               <a:r>
                 <a:rPr lang="en-AU" sz="1200" dirty="0">
@@ -3377,7 +3377,7 @@
                     </a:schemeClr>
                   </a:solidFill>
                 </a:rPr>
-                <a:t>RefreshScreen</a:t>
+                <a:t>refresh_screen</a:t>
               </a:r>
               <a:r>
                 <a:rPr lang="en-AU" sz="1200" dirty="0">
@@ -3413,7 +3413,7 @@
                     </a:schemeClr>
                   </a:solidFill>
                 </a:rPr>
-                <a:t>ProcessEvents</a:t>
+                <a:t>process_events</a:t>
               </a:r>
               <a:r>
                 <a:rPr lang="en-AU" sz="1200" dirty="0">
@@ -5015,7 +5015,7 @@
                     </a:schemeClr>
                   </a:solidFill>
                 </a:rPr>
-                <a:t>using static </a:t>
+                <a:t/>
               </a:r>
               <a:r>
                 <a:rPr lang="en-AU" sz="1200" dirty="0" err="1">
@@ -5025,7 +5025,7 @@
                     </a:schemeClr>
                   </a:solidFill>
                 </a:rPr>
-                <a:t>SplashKitSDK.SplashKit</a:t>
+                <a:t>#include "splashkit.h"</a:t>
               </a:r>
               <a:r>
                 <a:rPr lang="en-AU" sz="1200" dirty="0">
@@ -5064,7 +5064,7 @@
                     </a:schemeClr>
                   </a:solidFill>
                 </a:rPr>
-                <a:t>OpenWindow</a:t>
+                <a:t>open_window</a:t>
               </a:r>
               <a:r>
                 <a:rPr lang="en-AU" sz="1200" dirty="0">
@@ -5090,7 +5090,7 @@
                     </a:schemeClr>
                   </a:solidFill>
                 </a:rPr>
-                <a:t>ClearScreen</a:t>
+                <a:t>clear_screen</a:t>
               </a:r>
               <a:r>
                 <a:rPr lang="en-AU" sz="1200" dirty="0">
@@ -5110,7 +5110,7 @@
                     </a:schemeClr>
                   </a:solidFill>
                 </a:rPr>
-                <a:t>ColorYellow</a:t>
+                <a:t>color_yellow</a:t>
               </a:r>
               <a:r>
                 <a:rPr lang="en-AU" sz="1200" dirty="0">
@@ -5159,7 +5159,7 @@
                     </a:schemeClr>
                   </a:solidFill>
                 </a:rPr>
-                <a:t>QuitRequested</a:t>
+                <a:t>quit_requested</a:t>
               </a:r>
               <a:r>
                 <a:rPr lang="en-AU" sz="1200" dirty="0">
@@ -5211,7 +5211,7 @@
                     </a:schemeClr>
                   </a:solidFill>
                 </a:rPr>
-                <a:t>FillCircle</a:t>
+                <a:t>fill_circle</a:t>
               </a:r>
               <a:r>
                 <a:rPr lang="en-AU" sz="1200" dirty="0">
@@ -5231,7 +5231,7 @@
                     </a:schemeClr>
                   </a:solidFill>
                 </a:rPr>
-                <a:t>RandomColor</a:t>
+                <a:t>random_color</a:t>
               </a:r>
               <a:r>
                 <a:rPr lang="en-AU" sz="1200" dirty="0">
@@ -5251,7 +5251,7 @@
                     </a:schemeClr>
                   </a:solidFill>
                 </a:rPr>
-                <a:t>Rnd</a:t>
+                <a:t>rnd</a:t>
               </a:r>
               <a:r>
                 <a:rPr lang="en-AU" sz="1200" dirty="0">
@@ -5271,7 +5271,7 @@
                     </a:schemeClr>
                   </a:solidFill>
                 </a:rPr>
-                <a:t>ScreenWidth</a:t>
+                <a:t>screen_width</a:t>
               </a:r>
               <a:r>
                 <a:rPr lang="en-AU" sz="1200" dirty="0">
@@ -5291,7 +5291,7 @@
                     </a:schemeClr>
                   </a:solidFill>
                 </a:rPr>
-                <a:t>Rnd</a:t>
+                <a:t>rnd</a:t>
               </a:r>
               <a:r>
                 <a:rPr lang="en-AU" sz="1200" dirty="0">
@@ -5311,7 +5311,7 @@
                     </a:schemeClr>
                   </a:solidFill>
                 </a:rPr>
-                <a:t>ScreenHeight</a:t>
+                <a:t>screen_height</a:t>
               </a:r>
               <a:r>
                 <a:rPr lang="en-AU" sz="1200" dirty="0">
@@ -5331,7 +5331,7 @@
                     </a:schemeClr>
                   </a:solidFill>
                 </a:rPr>
-                <a:t>Rnd</a:t>
+                <a:t>rnd</a:t>
               </a:r>
               <a:r>
                 <a:rPr lang="en-AU" sz="1200" dirty="0">
@@ -5367,7 +5367,7 @@
                     </a:schemeClr>
                   </a:solidFill>
                 </a:rPr>
-                <a:t>RefreshScreen</a:t>
+                <a:t>refresh_screen</a:t>
               </a:r>
               <a:r>
                 <a:rPr lang="en-AU" sz="1200" dirty="0">
@@ -5391,7 +5391,7 @@
               </a:r>
               <a:r>
                 <a:rPr lang="en-AU" sz="1200" dirty="0" err="1"/>
-                <a:t>ProcessEvents</a:t>
+                <a:t>process_events</a:t>
               </a:r>
               <a:r>
                 <a:rPr lang="en-AU" sz="1200" dirty="0"/>
@@ -6829,7 +6829,7 @@
                     </a:schemeClr>
                   </a:solidFill>
                 </a:rPr>
-                <a:t>using static </a:t>
+                <a:t/>
               </a:r>
               <a:r>
                 <a:rPr lang="en-AU" sz="1200" dirty="0" err="1">
@@ -6839,7 +6839,7 @@
                     </a:schemeClr>
                   </a:solidFill>
                 </a:rPr>
-                <a:t>SplashKitSDK.SplashKit</a:t>
+                <a:t>#include "splashkit.h"</a:t>
               </a:r>
               <a:r>
                 <a:rPr lang="en-AU" sz="1200" dirty="0">
@@ -6878,7 +6878,7 @@
                     </a:schemeClr>
                   </a:solidFill>
                 </a:rPr>
-                <a:t>OpenWindow</a:t>
+                <a:t>open_window</a:t>
               </a:r>
               <a:r>
                 <a:rPr lang="en-AU" sz="1200" dirty="0">
@@ -6904,7 +6904,7 @@
                     </a:schemeClr>
                   </a:solidFill>
                 </a:rPr>
-                <a:t>ClearScreen</a:t>
+                <a:t>clear_screen</a:t>
               </a:r>
               <a:r>
                 <a:rPr lang="en-AU" sz="1200" dirty="0">
@@ -6924,7 +6924,7 @@
                     </a:schemeClr>
                   </a:solidFill>
                 </a:rPr>
-                <a:t>ColorYellow</a:t>
+                <a:t>color_yellow</a:t>
               </a:r>
               <a:r>
                 <a:rPr lang="en-AU" sz="1200" dirty="0">
@@ -6961,7 +6961,7 @@
               </a:r>
               <a:r>
                 <a:rPr lang="en-AU" sz="1200" dirty="0" err="1"/>
-                <a:t>QuitRequested</a:t>
+                <a:t>quit_requested</a:t>
               </a:r>
               <a:r>
                 <a:rPr lang="en-AU" sz="1200" dirty="0"/>
@@ -7007,7 +7007,7 @@
                     </a:schemeClr>
                   </a:solidFill>
                 </a:rPr>
-                <a:t>FillCircle</a:t>
+                <a:t>fill_circle</a:t>
               </a:r>
               <a:r>
                 <a:rPr lang="en-AU" sz="1200" dirty="0">
@@ -7027,7 +7027,7 @@
                     </a:schemeClr>
                   </a:solidFill>
                 </a:rPr>
-                <a:t>RandomColor</a:t>
+                <a:t>random_color</a:t>
               </a:r>
               <a:r>
                 <a:rPr lang="en-AU" sz="1200" dirty="0">
@@ -7047,7 +7047,7 @@
                     </a:schemeClr>
                   </a:solidFill>
                 </a:rPr>
-                <a:t>Rnd</a:t>
+                <a:t>rnd</a:t>
               </a:r>
               <a:r>
                 <a:rPr lang="en-AU" sz="1200" dirty="0">
@@ -7067,7 +7067,7 @@
                     </a:schemeClr>
                   </a:solidFill>
                 </a:rPr>
-                <a:t>ScreenWidth</a:t>
+                <a:t>screen_width</a:t>
               </a:r>
               <a:r>
                 <a:rPr lang="en-AU" sz="1200" dirty="0">
@@ -7087,7 +7087,7 @@
                     </a:schemeClr>
                   </a:solidFill>
                 </a:rPr>
-                <a:t>Rnd</a:t>
+                <a:t>rnd</a:t>
               </a:r>
               <a:r>
                 <a:rPr lang="en-AU" sz="1200" dirty="0">
@@ -7107,7 +7107,7 @@
                     </a:schemeClr>
                   </a:solidFill>
                 </a:rPr>
-                <a:t>ScreenHeight</a:t>
+                <a:t>screen_height</a:t>
               </a:r>
               <a:r>
                 <a:rPr lang="en-AU" sz="1200" dirty="0">
@@ -7127,7 +7127,7 @@
                     </a:schemeClr>
                   </a:solidFill>
                 </a:rPr>
-                <a:t>Rnd</a:t>
+                <a:t>rnd</a:t>
               </a:r>
               <a:r>
                 <a:rPr lang="en-AU" sz="1200" dirty="0">
@@ -7163,7 +7163,7 @@
                     </a:schemeClr>
                   </a:solidFill>
                 </a:rPr>
-                <a:t>RefreshScreen</a:t>
+                <a:t>refresh_screen</a:t>
               </a:r>
               <a:r>
                 <a:rPr lang="en-AU" sz="1200" dirty="0">
@@ -7199,7 +7199,7 @@
                     </a:schemeClr>
                   </a:solidFill>
                 </a:rPr>
-                <a:t>ProcessEvents</a:t>
+                <a:t>process_events</a:t>
               </a:r>
               <a:r>
                 <a:rPr lang="en-AU" sz="1200" dirty="0">
@@ -8613,7 +8613,7 @@
                     </a:schemeClr>
                   </a:solidFill>
                 </a:rPr>
-                <a:t>using static </a:t>
+                <a:t/>
               </a:r>
               <a:r>
                 <a:rPr lang="en-AU" sz="1200" dirty="0" err="1">
@@ -8623,7 +8623,7 @@
                     </a:schemeClr>
                   </a:solidFill>
                 </a:rPr>
-                <a:t>SplashKitSDK.SplashKit</a:t>
+                <a:t>#include "splashkit.h"</a:t>
               </a:r>
               <a:r>
                 <a:rPr lang="en-AU" sz="1200" dirty="0">
@@ -8662,7 +8662,7 @@
                     </a:schemeClr>
                   </a:solidFill>
                 </a:rPr>
-                <a:t>OpenWindow</a:t>
+                <a:t>open_window</a:t>
               </a:r>
               <a:r>
                 <a:rPr lang="en-AU" sz="1200" dirty="0">
@@ -8688,7 +8688,7 @@
                     </a:schemeClr>
                   </a:solidFill>
                 </a:rPr>
-                <a:t>ClearScreen</a:t>
+                <a:t>clear_screen</a:t>
               </a:r>
               <a:r>
                 <a:rPr lang="en-AU" sz="1200" dirty="0">
@@ -8708,7 +8708,7 @@
                     </a:schemeClr>
                   </a:solidFill>
                 </a:rPr>
-                <a:t>ColorYellow</a:t>
+                <a:t>color_yellow</a:t>
               </a:r>
               <a:r>
                 <a:rPr lang="en-AU" sz="1200" dirty="0">
@@ -8757,7 +8757,7 @@
                     </a:schemeClr>
                   </a:solidFill>
                 </a:rPr>
-                <a:t>QuitRequested</a:t>
+                <a:t>quit_requested</a:t>
               </a:r>
               <a:r>
                 <a:rPr lang="en-AU" sz="1200" dirty="0">
@@ -8797,7 +8797,7 @@
               </a:r>
               <a:r>
                 <a:rPr lang="en-AU" sz="1200" dirty="0" err="1"/>
-                <a:t>FillCircle</a:t>
+                <a:t>fill_circle</a:t>
               </a:r>
               <a:r>
                 <a:rPr lang="en-AU" sz="1200" dirty="0"/>
@@ -8805,7 +8805,7 @@
               </a:r>
               <a:r>
                 <a:rPr lang="en-AU" sz="1200" dirty="0" err="1"/>
-                <a:t>RandomColor</a:t>
+                <a:t>random_color</a:t>
               </a:r>
               <a:r>
                 <a:rPr lang="en-AU" sz="1200" dirty="0"/>
@@ -8813,7 +8813,7 @@
               </a:r>
               <a:r>
                 <a:rPr lang="en-AU" sz="1200" dirty="0" err="1"/>
-                <a:t>Rnd</a:t>
+                <a:t>rnd</a:t>
               </a:r>
               <a:r>
                 <a:rPr lang="en-AU" sz="1200" dirty="0"/>
@@ -8821,7 +8821,7 @@
               </a:r>
               <a:r>
                 <a:rPr lang="en-AU" sz="1200" dirty="0" err="1"/>
-                <a:t>ScreenWidth</a:t>
+                <a:t>screen_width</a:t>
               </a:r>
               <a:r>
                 <a:rPr lang="en-AU" sz="1200" dirty="0"/>
@@ -8829,7 +8829,7 @@
               </a:r>
               <a:r>
                 <a:rPr lang="en-AU" sz="1200" dirty="0" err="1"/>
-                <a:t>Rnd</a:t>
+                <a:t>rnd</a:t>
               </a:r>
               <a:r>
                 <a:rPr lang="en-AU" sz="1200" dirty="0"/>
@@ -8837,7 +8837,7 @@
               </a:r>
               <a:r>
                 <a:rPr lang="en-AU" sz="1200" dirty="0" err="1"/>
-                <a:t>ScreenHeight</a:t>
+                <a:t>screen_height</a:t>
               </a:r>
               <a:r>
                 <a:rPr lang="en-AU" sz="1200" dirty="0"/>
@@ -8845,7 +8845,7 @@
               </a:r>
               <a:r>
                 <a:rPr lang="en-AU" sz="1200" dirty="0" err="1"/>
-                <a:t>Rnd</a:t>
+                <a:t>rnd</a:t>
               </a:r>
               <a:r>
                 <a:rPr lang="en-AU" sz="1200" dirty="0"/>
@@ -8875,7 +8875,7 @@
                     </a:schemeClr>
                   </a:solidFill>
                 </a:rPr>
-                <a:t>RefreshScreen</a:t>
+                <a:t>refresh_screen</a:t>
               </a:r>
               <a:r>
                 <a:rPr lang="en-AU" sz="1200" dirty="0">
@@ -8911,7 +8911,7 @@
                     </a:schemeClr>
                   </a:solidFill>
                 </a:rPr>
-                <a:t>ProcessEvents</a:t>
+                <a:t>process_events</a:t>
               </a:r>
               <a:r>
                 <a:rPr lang="en-AU" sz="1200" dirty="0">
@@ -11050,7 +11050,7 @@
                     </a:schemeClr>
                   </a:solidFill>
                 </a:rPr>
-                <a:t>using static </a:t>
+                <a:t/>
               </a:r>
               <a:r>
                 <a:rPr lang="en-AU" sz="1200" dirty="0" err="1">
@@ -11060,7 +11060,7 @@
                     </a:schemeClr>
                   </a:solidFill>
                 </a:rPr>
-                <a:t>SplashKitSDK.SplashKit</a:t>
+                <a:t>#include "splashkit.h"</a:t>
               </a:r>
               <a:r>
                 <a:rPr lang="en-AU" sz="1200" dirty="0">
@@ -11099,7 +11099,7 @@
                     </a:schemeClr>
                   </a:solidFill>
                 </a:rPr>
-                <a:t>OpenWindow</a:t>
+                <a:t>open_window</a:t>
               </a:r>
               <a:r>
                 <a:rPr lang="en-AU" sz="1200" dirty="0">
@@ -11125,7 +11125,7 @@
                     </a:schemeClr>
                   </a:solidFill>
                 </a:rPr>
-                <a:t>ClearScreen</a:t>
+                <a:t>clear_screen</a:t>
               </a:r>
               <a:r>
                 <a:rPr lang="en-AU" sz="1200" dirty="0">
@@ -11145,7 +11145,7 @@
                     </a:schemeClr>
                   </a:solidFill>
                 </a:rPr>
-                <a:t>ColorYellow</a:t>
+                <a:t>color_yellow</a:t>
               </a:r>
               <a:r>
                 <a:rPr lang="en-AU" sz="1200" dirty="0">
@@ -11194,7 +11194,7 @@
                     </a:schemeClr>
                   </a:solidFill>
                 </a:rPr>
-                <a:t>QuitRequested</a:t>
+                <a:t>quit_requested</a:t>
               </a:r>
               <a:r>
                 <a:rPr lang="en-AU" sz="1200" dirty="0">
@@ -11246,7 +11246,7 @@
                     </a:schemeClr>
                   </a:solidFill>
                 </a:rPr>
-                <a:t>FillCircle</a:t>
+                <a:t>fill_circle</a:t>
               </a:r>
               <a:r>
                 <a:rPr lang="en-AU" sz="1200" dirty="0">
@@ -11266,7 +11266,7 @@
                     </a:schemeClr>
                   </a:solidFill>
                 </a:rPr>
-                <a:t>RandomColor</a:t>
+                <a:t>random_color</a:t>
               </a:r>
               <a:r>
                 <a:rPr lang="en-AU" sz="1200" dirty="0">
@@ -11286,7 +11286,7 @@
                     </a:schemeClr>
                   </a:solidFill>
                 </a:rPr>
-                <a:t>Rnd</a:t>
+                <a:t>rnd</a:t>
               </a:r>
               <a:r>
                 <a:rPr lang="en-AU" sz="1200" dirty="0">
@@ -11306,7 +11306,7 @@
                     </a:schemeClr>
                   </a:solidFill>
                 </a:rPr>
-                <a:t>ScreenWidth</a:t>
+                <a:t>screen_width</a:t>
               </a:r>
               <a:r>
                 <a:rPr lang="en-AU" sz="1200" dirty="0">
@@ -11326,7 +11326,7 @@
                     </a:schemeClr>
                   </a:solidFill>
                 </a:rPr>
-                <a:t>Rnd</a:t>
+                <a:t>rnd</a:t>
               </a:r>
               <a:r>
                 <a:rPr lang="en-AU" sz="1200" dirty="0">
@@ -11346,7 +11346,7 @@
                     </a:schemeClr>
                   </a:solidFill>
                 </a:rPr>
-                <a:t>ScreenHeight</a:t>
+                <a:t>screen_height</a:t>
               </a:r>
               <a:r>
                 <a:rPr lang="en-AU" sz="1200" dirty="0">
@@ -11366,7 +11366,7 @@
                     </a:schemeClr>
                   </a:solidFill>
                 </a:rPr>
-                <a:t>Rnd</a:t>
+                <a:t>rnd</a:t>
               </a:r>
               <a:r>
                 <a:rPr lang="en-AU" sz="1200" dirty="0">
@@ -11390,7 +11390,7 @@
               </a:r>
               <a:r>
                 <a:rPr lang="en-AU" sz="1200" dirty="0" err="1"/>
-                <a:t>RefreshScreen</a:t>
+                <a:t>refresh_screen</a:t>
               </a:r>
               <a:r>
                 <a:rPr lang="en-AU" sz="1200" dirty="0"/>
@@ -11420,7 +11420,7 @@
                     </a:schemeClr>
                   </a:solidFill>
                 </a:rPr>
-                <a:t>ProcessEvents</a:t>
+                <a:t>process_events</a:t>
               </a:r>
               <a:r>
                 <a:rPr lang="en-AU" sz="1200" dirty="0">
@@ -13097,7 +13097,7 @@
                     </a:schemeClr>
                   </a:solidFill>
                 </a:rPr>
-                <a:t>using static </a:t>
+                <a:t/>
               </a:r>
               <a:r>
                 <a:rPr lang="en-AU" sz="1200" dirty="0" err="1">
@@ -13107,7 +13107,7 @@
                     </a:schemeClr>
                   </a:solidFill>
                 </a:rPr>
-                <a:t>SplashKitSDK.SplashKit</a:t>
+                <a:t>#include "splashkit.h"</a:t>
               </a:r>
               <a:r>
                 <a:rPr lang="en-AU" sz="1200" dirty="0">
@@ -13146,7 +13146,7 @@
                     </a:schemeClr>
                   </a:solidFill>
                 </a:rPr>
-                <a:t>OpenWindow</a:t>
+                <a:t>open_window</a:t>
               </a:r>
               <a:r>
                 <a:rPr lang="en-AU" sz="1200" dirty="0">
@@ -13172,7 +13172,7 @@
                     </a:schemeClr>
                   </a:solidFill>
                 </a:rPr>
-                <a:t>ClearScreen</a:t>
+                <a:t>clear_screen</a:t>
               </a:r>
               <a:r>
                 <a:rPr lang="en-AU" sz="1200" dirty="0">
@@ -13192,7 +13192,7 @@
                     </a:schemeClr>
                   </a:solidFill>
                 </a:rPr>
-                <a:t>ColorYellow</a:t>
+                <a:t>color_yellow</a:t>
               </a:r>
               <a:r>
                 <a:rPr lang="en-AU" sz="1200" dirty="0">
@@ -13241,7 +13241,7 @@
                     </a:schemeClr>
                   </a:solidFill>
                 </a:rPr>
-                <a:t>QuitRequested</a:t>
+                <a:t>quit_requested</a:t>
               </a:r>
               <a:r>
                 <a:rPr lang="en-AU" sz="1200" dirty="0">
@@ -13293,7 +13293,7 @@
                     </a:schemeClr>
                   </a:solidFill>
                 </a:rPr>
-                <a:t>FillCircle</a:t>
+                <a:t>fill_circle</a:t>
               </a:r>
               <a:r>
                 <a:rPr lang="en-AU" sz="1200" dirty="0">
@@ -13313,7 +13313,7 @@
                     </a:schemeClr>
                   </a:solidFill>
                 </a:rPr>
-                <a:t>RandomColor</a:t>
+                <a:t>random_color</a:t>
               </a:r>
               <a:r>
                 <a:rPr lang="en-AU" sz="1200" dirty="0">
@@ -13333,7 +13333,7 @@
                     </a:schemeClr>
                   </a:solidFill>
                 </a:rPr>
-                <a:t>Rnd</a:t>
+                <a:t>rnd</a:t>
               </a:r>
               <a:r>
                 <a:rPr lang="en-AU" sz="1200" dirty="0">
@@ -13353,7 +13353,7 @@
                     </a:schemeClr>
                   </a:solidFill>
                 </a:rPr>
-                <a:t>ScreenWidth</a:t>
+                <a:t>screen_width</a:t>
               </a:r>
               <a:r>
                 <a:rPr lang="en-AU" sz="1200" dirty="0">
@@ -13373,7 +13373,7 @@
                     </a:schemeClr>
                   </a:solidFill>
                 </a:rPr>
-                <a:t>Rnd</a:t>
+                <a:t>rnd</a:t>
               </a:r>
               <a:r>
                 <a:rPr lang="en-AU" sz="1200" dirty="0">
@@ -13393,7 +13393,7 @@
                     </a:schemeClr>
                   </a:solidFill>
                 </a:rPr>
-                <a:t>ScreenHeight</a:t>
+                <a:t>screen_height</a:t>
               </a:r>
               <a:r>
                 <a:rPr lang="en-AU" sz="1200" dirty="0">
@@ -13413,7 +13413,7 @@
                     </a:schemeClr>
                   </a:solidFill>
                 </a:rPr>
-                <a:t>Rnd</a:t>
+                <a:t>rnd</a:t>
               </a:r>
               <a:r>
                 <a:rPr lang="en-AU" sz="1200" dirty="0">
@@ -13449,7 +13449,7 @@
                     </a:schemeClr>
                   </a:solidFill>
                 </a:rPr>
-                <a:t>RefreshScreen</a:t>
+                <a:t>refresh_screen</a:t>
               </a:r>
               <a:r>
                 <a:rPr lang="en-AU" sz="1200" dirty="0">
@@ -13473,7 +13473,7 @@
               </a:r>
               <a:r>
                 <a:rPr lang="en-AU" sz="1200" dirty="0" err="1"/>
-                <a:t>ProcessEvents</a:t>
+                <a:t>process_events</a:t>
               </a:r>
               <a:r>
                 <a:rPr lang="en-AU" sz="1200" dirty="0"/>
@@ -15176,7 +15176,7 @@
                     </a:schemeClr>
                   </a:solidFill>
                 </a:rPr>
-                <a:t>using static </a:t>
+                <a:t/>
               </a:r>
               <a:r>
                 <a:rPr lang="en-AU" sz="1200" dirty="0" err="1">
@@ -15186,7 +15186,7 @@
                     </a:schemeClr>
                   </a:solidFill>
                 </a:rPr>
-                <a:t>SplashKitSDK.SplashKit</a:t>
+                <a:t>#include "splashkit.h"</a:t>
               </a:r>
               <a:r>
                 <a:rPr lang="en-AU" sz="1200" dirty="0">
@@ -15225,7 +15225,7 @@
                     </a:schemeClr>
                   </a:solidFill>
                 </a:rPr>
-                <a:t>OpenWindow</a:t>
+                <a:t>open_window</a:t>
               </a:r>
               <a:r>
                 <a:rPr lang="en-AU" sz="1200" dirty="0">
@@ -15251,7 +15251,7 @@
                     </a:schemeClr>
                   </a:solidFill>
                 </a:rPr>
-                <a:t>ClearScreen</a:t>
+                <a:t>clear_screen</a:t>
               </a:r>
               <a:r>
                 <a:rPr lang="en-AU" sz="1200" dirty="0">
@@ -15271,7 +15271,7 @@
                     </a:schemeClr>
                   </a:solidFill>
                 </a:rPr>
-                <a:t>ColorYellow</a:t>
+                <a:t>color_yellow</a:t>
               </a:r>
               <a:r>
                 <a:rPr lang="en-AU" sz="1200" dirty="0">
@@ -15308,7 +15308,7 @@
               </a:r>
               <a:r>
                 <a:rPr lang="en-AU" sz="1200" dirty="0" err="1"/>
-                <a:t>QuitRequested</a:t>
+                <a:t>quit_requested</a:t>
               </a:r>
               <a:r>
                 <a:rPr lang="en-AU" sz="1200" dirty="0"/>
@@ -15354,7 +15354,7 @@
                     </a:schemeClr>
                   </a:solidFill>
                 </a:rPr>
-                <a:t>FillCircle</a:t>
+                <a:t>fill_circle</a:t>
               </a:r>
               <a:r>
                 <a:rPr lang="en-AU" sz="1200" dirty="0">
@@ -15374,7 +15374,7 @@
                     </a:schemeClr>
                   </a:solidFill>
                 </a:rPr>
-                <a:t>RandomColor</a:t>
+                <a:t>random_color</a:t>
               </a:r>
               <a:r>
                 <a:rPr lang="en-AU" sz="1200" dirty="0">
@@ -15394,7 +15394,7 @@
                     </a:schemeClr>
                   </a:solidFill>
                 </a:rPr>
-                <a:t>Rnd</a:t>
+                <a:t>rnd</a:t>
               </a:r>
               <a:r>
                 <a:rPr lang="en-AU" sz="1200" dirty="0">
@@ -15414,7 +15414,7 @@
                     </a:schemeClr>
                   </a:solidFill>
                 </a:rPr>
-                <a:t>ScreenWidth</a:t>
+                <a:t>screen_width</a:t>
               </a:r>
               <a:r>
                 <a:rPr lang="en-AU" sz="1200" dirty="0">
@@ -15434,7 +15434,7 @@
                     </a:schemeClr>
                   </a:solidFill>
                 </a:rPr>
-                <a:t>Rnd</a:t>
+                <a:t>rnd</a:t>
               </a:r>
               <a:r>
                 <a:rPr lang="en-AU" sz="1200" dirty="0">
@@ -15454,7 +15454,7 @@
                     </a:schemeClr>
                   </a:solidFill>
                 </a:rPr>
-                <a:t>ScreenHeight</a:t>
+                <a:t>screen_height</a:t>
               </a:r>
               <a:r>
                 <a:rPr lang="en-AU" sz="1200" dirty="0">
@@ -15474,7 +15474,7 @@
                     </a:schemeClr>
                   </a:solidFill>
                 </a:rPr>
-                <a:t>Rnd</a:t>
+                <a:t>rnd</a:t>
               </a:r>
               <a:r>
                 <a:rPr lang="en-AU" sz="1200" dirty="0">
@@ -15510,7 +15510,7 @@
                     </a:schemeClr>
                   </a:solidFill>
                 </a:rPr>
-                <a:t>RefreshScreen</a:t>
+                <a:t>refresh_screen</a:t>
               </a:r>
               <a:r>
                 <a:rPr lang="en-AU" sz="1200" dirty="0">
@@ -15546,7 +15546,7 @@
                     </a:schemeClr>
                   </a:solidFill>
                 </a:rPr>
-                <a:t>ProcessEvents</a:t>
+                <a:t>process_events</a:t>
               </a:r>
               <a:r>
                 <a:rPr lang="en-AU" sz="1200" dirty="0">
@@ -17225,7 +17225,7 @@
                     </a:schemeClr>
                   </a:solidFill>
                 </a:rPr>
-                <a:t>using static </a:t>
+                <a:t/>
               </a:r>
               <a:r>
                 <a:rPr lang="en-AU" sz="1200" dirty="0" err="1">
@@ -17235,7 +17235,7 @@
                     </a:schemeClr>
                   </a:solidFill>
                 </a:rPr>
-                <a:t>SplashKitSDK.SplashKit</a:t>
+                <a:t>#include "splashkit.h"</a:t>
               </a:r>
               <a:r>
                 <a:rPr lang="en-AU" sz="1200" dirty="0">
@@ -17274,7 +17274,7 @@
                     </a:schemeClr>
                   </a:solidFill>
                 </a:rPr>
-                <a:t>OpenWindow</a:t>
+                <a:t>open_window</a:t>
               </a:r>
               <a:r>
                 <a:rPr lang="en-AU" sz="1200" dirty="0">
@@ -17300,7 +17300,7 @@
                     </a:schemeClr>
                   </a:solidFill>
                 </a:rPr>
-                <a:t>ClearScreen</a:t>
+                <a:t>clear_screen</a:t>
               </a:r>
               <a:r>
                 <a:rPr lang="en-AU" sz="1200" dirty="0">
@@ -17320,7 +17320,7 @@
                     </a:schemeClr>
                   </a:solidFill>
                 </a:rPr>
-                <a:t>ColorYellow</a:t>
+                <a:t>color_yellow</a:t>
               </a:r>
               <a:r>
                 <a:rPr lang="en-AU" sz="1200" dirty="0">
@@ -17369,7 +17369,7 @@
                     </a:schemeClr>
                   </a:solidFill>
                 </a:rPr>
-                <a:t>QuitRequested</a:t>
+                <a:t>quit_requested</a:t>
               </a:r>
               <a:r>
                 <a:rPr lang="en-AU" sz="1200" dirty="0">
@@ -17421,7 +17421,7 @@
                     </a:schemeClr>
                   </a:solidFill>
                 </a:rPr>
-                <a:t>FillCircle</a:t>
+                <a:t>fill_circle</a:t>
               </a:r>
               <a:r>
                 <a:rPr lang="en-AU" sz="1200" dirty="0">
@@ -17441,7 +17441,7 @@
                     </a:schemeClr>
                   </a:solidFill>
                 </a:rPr>
-                <a:t>RandomColor</a:t>
+                <a:t>random_color</a:t>
               </a:r>
               <a:r>
                 <a:rPr lang="en-AU" sz="1200" dirty="0">
@@ -17461,7 +17461,7 @@
                     </a:schemeClr>
                   </a:solidFill>
                 </a:rPr>
-                <a:t>Rnd</a:t>
+                <a:t>rnd</a:t>
               </a:r>
               <a:r>
                 <a:rPr lang="en-AU" sz="1200" dirty="0">
@@ -17481,7 +17481,7 @@
                     </a:schemeClr>
                   </a:solidFill>
                 </a:rPr>
-                <a:t>ScreenWidth</a:t>
+                <a:t>screen_width</a:t>
               </a:r>
               <a:r>
                 <a:rPr lang="en-AU" sz="1200" dirty="0">
@@ -17501,7 +17501,7 @@
                     </a:schemeClr>
                   </a:solidFill>
                 </a:rPr>
-                <a:t>Rnd</a:t>
+                <a:t>rnd</a:t>
               </a:r>
               <a:r>
                 <a:rPr lang="en-AU" sz="1200" dirty="0">
@@ -17521,7 +17521,7 @@
                     </a:schemeClr>
                   </a:solidFill>
                 </a:rPr>
-                <a:t>ScreenHeight</a:t>
+                <a:t>screen_height</a:t>
               </a:r>
               <a:r>
                 <a:rPr lang="en-AU" sz="1200" dirty="0">
@@ -17541,7 +17541,7 @@
                     </a:schemeClr>
                   </a:solidFill>
                 </a:rPr>
-                <a:t>Rnd</a:t>
+                <a:t>rnd</a:t>
               </a:r>
               <a:r>
                 <a:rPr lang="en-AU" sz="1200" dirty="0">
@@ -17577,7 +17577,7 @@
                     </a:schemeClr>
                   </a:solidFill>
                 </a:rPr>
-                <a:t>RefreshScreen</a:t>
+                <a:t>refresh_screen</a:t>
               </a:r>
               <a:r>
                 <a:rPr lang="en-AU" sz="1200" dirty="0">
@@ -17613,7 +17613,7 @@
                     </a:schemeClr>
                   </a:solidFill>
                 </a:rPr>
-                <a:t>ProcessEvents</a:t>
+                <a:t>process_events</a:t>
               </a:r>
               <a:r>
                 <a:rPr lang="en-AU" sz="1200" dirty="0">
@@ -19577,7 +19577,7 @@
                     </a:schemeClr>
                   </a:solidFill>
                 </a:rPr>
-                <a:t>using static </a:t>
+                <a:t/>
               </a:r>
               <a:r>
                 <a:rPr lang="en-AU" sz="1200" dirty="0" err="1">
@@ -19587,7 +19587,7 @@
                     </a:schemeClr>
                   </a:solidFill>
                 </a:rPr>
-                <a:t>SplashKitSDK.SplashKit</a:t>
+                <a:t>#include "splashkit.h"</a:t>
               </a:r>
               <a:r>
                 <a:rPr lang="en-AU" sz="1200" dirty="0">
@@ -19626,7 +19626,7 @@
                     </a:schemeClr>
                   </a:solidFill>
                 </a:rPr>
-                <a:t>OpenWindow</a:t>
+                <a:t>open_window</a:t>
               </a:r>
               <a:r>
                 <a:rPr lang="en-AU" sz="1200" dirty="0">
@@ -19646,7 +19646,7 @@
               </a:pPr>
               <a:r>
                 <a:rPr lang="en-AU" sz="1200" dirty="0" err="1"/>
-                <a:t>ClearScreen</a:t>
+                <a:t>clear_screen</a:t>
               </a:r>
               <a:r>
                 <a:rPr lang="en-AU" sz="1200" dirty="0"/>
@@ -19654,7 +19654,7 @@
               </a:r>
               <a:r>
                 <a:rPr lang="en-AU" sz="1200" dirty="0" err="1"/>
-                <a:t>ColorYellow</a:t>
+                <a:t>color_yellow</a:t>
               </a:r>
               <a:r>
                 <a:rPr lang="en-AU" sz="1200" dirty="0"/>
@@ -19697,7 +19697,7 @@
                     </a:schemeClr>
                   </a:solidFill>
                 </a:rPr>
-                <a:t>QuitRequested</a:t>
+                <a:t>quit_requested</a:t>
               </a:r>
               <a:r>
                 <a:rPr lang="en-AU" sz="1200" dirty="0">
@@ -19749,7 +19749,7 @@
                     </a:schemeClr>
                   </a:solidFill>
                 </a:rPr>
-                <a:t>FillCircle</a:t>
+                <a:t>fill_circle</a:t>
               </a:r>
               <a:r>
                 <a:rPr lang="en-AU" sz="1200" dirty="0">
@@ -19769,7 +19769,7 @@
                     </a:schemeClr>
                   </a:solidFill>
                 </a:rPr>
-                <a:t>RandomColor</a:t>
+                <a:t>random_color</a:t>
               </a:r>
               <a:r>
                 <a:rPr lang="en-AU" sz="1200" dirty="0">
@@ -19789,7 +19789,7 @@
                     </a:schemeClr>
                   </a:solidFill>
                 </a:rPr>
-                <a:t>Rnd</a:t>
+                <a:t>rnd</a:t>
               </a:r>
               <a:r>
                 <a:rPr lang="en-AU" sz="1200" dirty="0">
@@ -19809,7 +19809,7 @@
                     </a:schemeClr>
                   </a:solidFill>
                 </a:rPr>
-                <a:t>ScreenWidth</a:t>
+                <a:t>screen_width</a:t>
               </a:r>
               <a:r>
                 <a:rPr lang="en-AU" sz="1200" dirty="0">
@@ -19829,7 +19829,7 @@
                     </a:schemeClr>
                   </a:solidFill>
                 </a:rPr>
-                <a:t>Rnd</a:t>
+                <a:t>rnd</a:t>
               </a:r>
               <a:r>
                 <a:rPr lang="en-AU" sz="1200" dirty="0">
@@ -19849,7 +19849,7 @@
                     </a:schemeClr>
                   </a:solidFill>
                 </a:rPr>
-                <a:t>ScreenHeight</a:t>
+                <a:t>screen_height</a:t>
               </a:r>
               <a:r>
                 <a:rPr lang="en-AU" sz="1200" dirty="0">
@@ -19869,7 +19869,7 @@
                     </a:schemeClr>
                   </a:solidFill>
                 </a:rPr>
-                <a:t>Rnd</a:t>
+                <a:t>rnd</a:t>
               </a:r>
               <a:r>
                 <a:rPr lang="en-AU" sz="1200" dirty="0">
@@ -19905,7 +19905,7 @@
                     </a:schemeClr>
                   </a:solidFill>
                 </a:rPr>
-                <a:t>RefreshScreen</a:t>
+                <a:t>refresh_screen</a:t>
               </a:r>
               <a:r>
                 <a:rPr lang="en-AU" sz="1200" dirty="0">
@@ -19941,7 +19941,7 @@
                     </a:schemeClr>
                   </a:solidFill>
                 </a:rPr>
-                <a:t>ProcessEvents</a:t>
+                <a:t>process_events</a:t>
               </a:r>
               <a:r>
                 <a:rPr lang="en-AU" sz="1200" dirty="0">
@@ -21434,7 +21434,7 @@
                     </a:schemeClr>
                   </a:solidFill>
                 </a:rPr>
-                <a:t>using static </a:t>
+                <a:t/>
               </a:r>
               <a:r>
                 <a:rPr lang="en-AU" sz="1200" dirty="0" err="1">
@@ -21444,7 +21444,7 @@
                     </a:schemeClr>
                   </a:solidFill>
                 </a:rPr>
-                <a:t>SplashKitSDK.SplashKit</a:t>
+                <a:t>#include "splashkit.h"</a:t>
               </a:r>
               <a:r>
                 <a:rPr lang="en-AU" sz="1200" dirty="0">
@@ -21483,7 +21483,7 @@
                     </a:schemeClr>
                   </a:solidFill>
                 </a:rPr>
-                <a:t>OpenWindow</a:t>
+                <a:t>open_window</a:t>
               </a:r>
               <a:r>
                 <a:rPr lang="en-AU" sz="1200" dirty="0">
@@ -21509,7 +21509,7 @@
                     </a:schemeClr>
                   </a:solidFill>
                 </a:rPr>
-                <a:t>ClearScreen</a:t>
+                <a:t>clear_screen</a:t>
               </a:r>
               <a:r>
                 <a:rPr lang="en-AU" sz="1200" dirty="0">
@@ -21529,7 +21529,7 @@
                     </a:schemeClr>
                   </a:solidFill>
                 </a:rPr>
-                <a:t>ColorYellow</a:t>
+                <a:t>color_yellow</a:t>
               </a:r>
               <a:r>
                 <a:rPr lang="en-AU" sz="1200" dirty="0">
@@ -21566,7 +21566,7 @@
               </a:r>
               <a:r>
                 <a:rPr lang="en-AU" sz="1200" dirty="0" err="1"/>
-                <a:t>QuitRequested</a:t>
+                <a:t>quit_requested</a:t>
               </a:r>
               <a:r>
                 <a:rPr lang="en-AU" sz="1200" dirty="0"/>
@@ -21612,7 +21612,7 @@
                     </a:schemeClr>
                   </a:solidFill>
                 </a:rPr>
-                <a:t>FillCircle</a:t>
+                <a:t>fill_circle</a:t>
               </a:r>
               <a:r>
                 <a:rPr lang="en-AU" sz="1200" dirty="0">
@@ -21632,7 +21632,7 @@
                     </a:schemeClr>
                   </a:solidFill>
                 </a:rPr>
-                <a:t>RandomColor</a:t>
+                <a:t>random_color</a:t>
               </a:r>
               <a:r>
                 <a:rPr lang="en-AU" sz="1200" dirty="0">
@@ -21652,7 +21652,7 @@
                     </a:schemeClr>
                   </a:solidFill>
                 </a:rPr>
-                <a:t>Rnd</a:t>
+                <a:t>rnd</a:t>
               </a:r>
               <a:r>
                 <a:rPr lang="en-AU" sz="1200" dirty="0">
@@ -21672,7 +21672,7 @@
                     </a:schemeClr>
                   </a:solidFill>
                 </a:rPr>
-                <a:t>ScreenWidth</a:t>
+                <a:t>screen_width</a:t>
               </a:r>
               <a:r>
                 <a:rPr lang="en-AU" sz="1200" dirty="0">
@@ -21692,7 +21692,7 @@
                     </a:schemeClr>
                   </a:solidFill>
                 </a:rPr>
-                <a:t>Rnd</a:t>
+                <a:t>rnd</a:t>
               </a:r>
               <a:r>
                 <a:rPr lang="en-AU" sz="1200" dirty="0">
@@ -21712,7 +21712,7 @@
                     </a:schemeClr>
                   </a:solidFill>
                 </a:rPr>
-                <a:t>ScreenHeight</a:t>
+                <a:t>screen_height</a:t>
               </a:r>
               <a:r>
                 <a:rPr lang="en-AU" sz="1200" dirty="0">
@@ -21732,7 +21732,7 @@
                     </a:schemeClr>
                   </a:solidFill>
                 </a:rPr>
-                <a:t>Rnd</a:t>
+                <a:t>rnd</a:t>
               </a:r>
               <a:r>
                 <a:rPr lang="en-AU" sz="1200" dirty="0">
@@ -21768,7 +21768,7 @@
                     </a:schemeClr>
                   </a:solidFill>
                 </a:rPr>
-                <a:t>RefreshScreen</a:t>
+                <a:t>refresh_screen</a:t>
               </a:r>
               <a:r>
                 <a:rPr lang="en-AU" sz="1200" dirty="0">
@@ -21804,7 +21804,7 @@
                     </a:schemeClr>
                   </a:solidFill>
                 </a:rPr>
-                <a:t>ProcessEvents</a:t>
+                <a:t>process_events</a:t>
               </a:r>
               <a:r>
                 <a:rPr lang="en-AU" sz="1200" dirty="0">
@@ -23248,7 +23248,7 @@
                     </a:schemeClr>
                   </a:solidFill>
                 </a:rPr>
-                <a:t>using static </a:t>
+                <a:t/>
               </a:r>
               <a:r>
                 <a:rPr lang="en-AU" sz="1200" dirty="0" err="1">
@@ -23258,7 +23258,7 @@
                     </a:schemeClr>
                   </a:solidFill>
                 </a:rPr>
-                <a:t>SplashKitSDK.SplashKit</a:t>
+                <a:t>#include "splashkit.h"</a:t>
               </a:r>
               <a:r>
                 <a:rPr lang="en-AU" sz="1200" dirty="0">
@@ -23297,7 +23297,7 @@
                     </a:schemeClr>
                   </a:solidFill>
                 </a:rPr>
-                <a:t>OpenWindow</a:t>
+                <a:t>open_window</a:t>
               </a:r>
               <a:r>
                 <a:rPr lang="en-AU" sz="1200" dirty="0">
@@ -23323,7 +23323,7 @@
                     </a:schemeClr>
                   </a:solidFill>
                 </a:rPr>
-                <a:t>ClearScreen</a:t>
+                <a:t>clear_screen</a:t>
               </a:r>
               <a:r>
                 <a:rPr lang="en-AU" sz="1200" dirty="0">
@@ -23343,7 +23343,7 @@
                     </a:schemeClr>
                   </a:solidFill>
                 </a:rPr>
-                <a:t>ColorYellow</a:t>
+                <a:t>color_yellow</a:t>
               </a:r>
               <a:r>
                 <a:rPr lang="en-AU" sz="1200" dirty="0">
@@ -23392,7 +23392,7 @@
                     </a:schemeClr>
                   </a:solidFill>
                 </a:rPr>
-                <a:t>QuitRequested</a:t>
+                <a:t>quit_requested</a:t>
               </a:r>
               <a:r>
                 <a:rPr lang="en-AU" sz="1200" dirty="0">
@@ -23432,7 +23432,7 @@
               </a:r>
               <a:r>
                 <a:rPr lang="en-AU" sz="1200" dirty="0" err="1"/>
-                <a:t>FillCircle</a:t>
+                <a:t>fill_circle</a:t>
               </a:r>
               <a:r>
                 <a:rPr lang="en-AU" sz="1200" dirty="0"/>
@@ -23440,7 +23440,7 @@
               </a:r>
               <a:r>
                 <a:rPr lang="en-AU" sz="1200" dirty="0" err="1"/>
-                <a:t>RandomColor</a:t>
+                <a:t>random_color</a:t>
               </a:r>
               <a:r>
                 <a:rPr lang="en-AU" sz="1200" dirty="0"/>
@@ -23448,7 +23448,7 @@
               </a:r>
               <a:r>
                 <a:rPr lang="en-AU" sz="1200" dirty="0" err="1"/>
-                <a:t>Rnd</a:t>
+                <a:t>rnd</a:t>
               </a:r>
               <a:r>
                 <a:rPr lang="en-AU" sz="1200" dirty="0"/>
@@ -23456,7 +23456,7 @@
               </a:r>
               <a:r>
                 <a:rPr lang="en-AU" sz="1200" dirty="0" err="1"/>
-                <a:t>ScreenWidth</a:t>
+                <a:t>screen_width</a:t>
               </a:r>
               <a:r>
                 <a:rPr lang="en-AU" sz="1200" dirty="0"/>
@@ -23464,7 +23464,7 @@
               </a:r>
               <a:r>
                 <a:rPr lang="en-AU" sz="1200" dirty="0" err="1"/>
-                <a:t>Rnd</a:t>
+                <a:t>rnd</a:t>
               </a:r>
               <a:r>
                 <a:rPr lang="en-AU" sz="1200" dirty="0"/>
@@ -23472,7 +23472,7 @@
               </a:r>
               <a:r>
                 <a:rPr lang="en-AU" sz="1200" dirty="0" err="1"/>
-                <a:t>ScreenHeight</a:t>
+                <a:t>screen_height</a:t>
               </a:r>
               <a:r>
                 <a:rPr lang="en-AU" sz="1200" dirty="0"/>
@@ -23480,7 +23480,7 @@
               </a:r>
               <a:r>
                 <a:rPr lang="en-AU" sz="1200" dirty="0" err="1"/>
-                <a:t>Rnd</a:t>
+                <a:t>rnd</a:t>
               </a:r>
               <a:r>
                 <a:rPr lang="en-AU" sz="1200" dirty="0"/>
@@ -23510,7 +23510,7 @@
                     </a:schemeClr>
                   </a:solidFill>
                 </a:rPr>
-                <a:t>RefreshScreen</a:t>
+                <a:t>refresh_screen</a:t>
               </a:r>
               <a:r>
                 <a:rPr lang="en-AU" sz="1200" dirty="0">
@@ -23546,7 +23546,7 @@
                     </a:schemeClr>
                   </a:solidFill>
                 </a:rPr>
-                <a:t>ProcessEvents</a:t>
+                <a:t>process_events</a:t>
               </a:r>
               <a:r>
                 <a:rPr lang="en-AU" sz="1200" dirty="0">
@@ -25069,7 +25069,7 @@
                     </a:schemeClr>
                   </a:solidFill>
                 </a:rPr>
-                <a:t>using static </a:t>
+                <a:t/>
               </a:r>
               <a:r>
                 <a:rPr lang="en-AU" sz="1200" dirty="0" err="1">
@@ -25079,7 +25079,7 @@
                     </a:schemeClr>
                   </a:solidFill>
                 </a:rPr>
-                <a:t>SplashKitSDK.SplashKit</a:t>
+                <a:t>#include "splashkit.h"</a:t>
               </a:r>
               <a:r>
                 <a:rPr lang="en-AU" sz="1200" dirty="0">
@@ -25118,7 +25118,7 @@
                     </a:schemeClr>
                   </a:solidFill>
                 </a:rPr>
-                <a:t>OpenWindow</a:t>
+                <a:t>open_window</a:t>
               </a:r>
               <a:r>
                 <a:rPr lang="en-AU" sz="1200" dirty="0">
@@ -25144,7 +25144,7 @@
                     </a:schemeClr>
                   </a:solidFill>
                 </a:rPr>
-                <a:t>ClearScreen</a:t>
+                <a:t>clear_screen</a:t>
               </a:r>
               <a:r>
                 <a:rPr lang="en-AU" sz="1200" dirty="0">
@@ -25164,7 +25164,7 @@
                     </a:schemeClr>
                   </a:solidFill>
                 </a:rPr>
-                <a:t>ColorYellow</a:t>
+                <a:t>color_yellow</a:t>
               </a:r>
               <a:r>
                 <a:rPr lang="en-AU" sz="1200" dirty="0">
@@ -25213,7 +25213,7 @@
                     </a:schemeClr>
                   </a:solidFill>
                 </a:rPr>
-                <a:t>QuitRequested</a:t>
+                <a:t>quit_requested</a:t>
               </a:r>
               <a:r>
                 <a:rPr lang="en-AU" sz="1200" dirty="0">
@@ -25265,7 +25265,7 @@
                     </a:schemeClr>
                   </a:solidFill>
                 </a:rPr>
-                <a:t>FillCircle</a:t>
+                <a:t>fill_circle</a:t>
               </a:r>
               <a:r>
                 <a:rPr lang="en-AU" sz="1200" dirty="0">
@@ -25285,7 +25285,7 @@
                     </a:schemeClr>
                   </a:solidFill>
                 </a:rPr>
-                <a:t>RandomColor</a:t>
+                <a:t>random_color</a:t>
               </a:r>
               <a:r>
                 <a:rPr lang="en-AU" sz="1200" dirty="0">
@@ -25305,7 +25305,7 @@
                     </a:schemeClr>
                   </a:solidFill>
                 </a:rPr>
-                <a:t>Rnd</a:t>
+                <a:t>rnd</a:t>
               </a:r>
               <a:r>
                 <a:rPr lang="en-AU" sz="1200" dirty="0">
@@ -25325,7 +25325,7 @@
                     </a:schemeClr>
                   </a:solidFill>
                 </a:rPr>
-                <a:t>ScreenWidth</a:t>
+                <a:t>screen_width</a:t>
               </a:r>
               <a:r>
                 <a:rPr lang="en-AU" sz="1200" dirty="0">
@@ -25345,7 +25345,7 @@
                     </a:schemeClr>
                   </a:solidFill>
                 </a:rPr>
-                <a:t>Rnd</a:t>
+                <a:t>rnd</a:t>
               </a:r>
               <a:r>
                 <a:rPr lang="en-AU" sz="1200" dirty="0">
@@ -25365,7 +25365,7 @@
                     </a:schemeClr>
                   </a:solidFill>
                 </a:rPr>
-                <a:t>ScreenHeight</a:t>
+                <a:t>screen_height</a:t>
               </a:r>
               <a:r>
                 <a:rPr lang="en-AU" sz="1200" dirty="0">
@@ -25385,7 +25385,7 @@
                     </a:schemeClr>
                   </a:solidFill>
                 </a:rPr>
-                <a:t>Rnd</a:t>
+                <a:t>rnd</a:t>
               </a:r>
               <a:r>
                 <a:rPr lang="en-AU" sz="1200" dirty="0">
@@ -25409,7 +25409,7 @@
               </a:r>
               <a:r>
                 <a:rPr lang="en-AU" sz="1200" dirty="0" err="1"/>
-                <a:t>RefreshScreen</a:t>
+                <a:t>refresh_screen</a:t>
               </a:r>
               <a:r>
                 <a:rPr lang="en-AU" sz="1200" dirty="0"/>
@@ -25439,7 +25439,7 @@
                     </a:schemeClr>
                   </a:solidFill>
                 </a:rPr>
-                <a:t>ProcessEvents</a:t>
+                <a:t>process_events</a:t>
               </a:r>
               <a:r>
                 <a:rPr lang="en-AU" sz="1200" dirty="0">
@@ -26930,7 +26930,7 @@
                     </a:schemeClr>
                   </a:solidFill>
                 </a:rPr>
-                <a:t>using static </a:t>
+                <a:t/>
               </a:r>
               <a:r>
                 <a:rPr lang="en-AU" sz="1200" dirty="0" err="1">
@@ -26940,7 +26940,7 @@
                     </a:schemeClr>
                   </a:solidFill>
                 </a:rPr>
-                <a:t>SplashKitSDK.SplashKit</a:t>
+                <a:t>#include "splashkit.h"</a:t>
               </a:r>
               <a:r>
                 <a:rPr lang="en-AU" sz="1200" dirty="0">
@@ -26979,7 +26979,7 @@
                     </a:schemeClr>
                   </a:solidFill>
                 </a:rPr>
-                <a:t>OpenWindow</a:t>
+                <a:t>open_window</a:t>
               </a:r>
               <a:r>
                 <a:rPr lang="en-AU" sz="1200" dirty="0">
@@ -27005,7 +27005,7 @@
                     </a:schemeClr>
                   </a:solidFill>
                 </a:rPr>
-                <a:t>ClearScreen</a:t>
+                <a:t>clear_screen</a:t>
               </a:r>
               <a:r>
                 <a:rPr lang="en-AU" sz="1200" dirty="0">
@@ -27025,7 +27025,7 @@
                     </a:schemeClr>
                   </a:solidFill>
                 </a:rPr>
-                <a:t>ColorYellow</a:t>
+                <a:t>color_yellow</a:t>
               </a:r>
               <a:r>
                 <a:rPr lang="en-AU" sz="1200" dirty="0">
@@ -27074,7 +27074,7 @@
                     </a:schemeClr>
                   </a:solidFill>
                 </a:rPr>
-                <a:t>QuitRequested</a:t>
+                <a:t>quit_requested</a:t>
               </a:r>
               <a:r>
                 <a:rPr lang="en-AU" sz="1200" dirty="0">
@@ -27126,7 +27126,7 @@
                     </a:schemeClr>
                   </a:solidFill>
                 </a:rPr>
-                <a:t>FillCircle</a:t>
+                <a:t>fill_circle</a:t>
               </a:r>
               <a:r>
                 <a:rPr lang="en-AU" sz="1200" dirty="0">
@@ -27146,7 +27146,7 @@
                     </a:schemeClr>
                   </a:solidFill>
                 </a:rPr>
-                <a:t>RandomColor</a:t>
+                <a:t>random_color</a:t>
               </a:r>
               <a:r>
                 <a:rPr lang="en-AU" sz="1200" dirty="0">
@@ -27166,7 +27166,7 @@
                     </a:schemeClr>
                   </a:solidFill>
                 </a:rPr>
-                <a:t>Rnd</a:t>
+                <a:t>rnd</a:t>
               </a:r>
               <a:r>
                 <a:rPr lang="en-AU" sz="1200" dirty="0">
@@ -27186,7 +27186,7 @@
                     </a:schemeClr>
                   </a:solidFill>
                 </a:rPr>
-                <a:t>ScreenWidth</a:t>
+                <a:t>screen_width</a:t>
               </a:r>
               <a:r>
                 <a:rPr lang="en-AU" sz="1200" dirty="0">
@@ -27206,7 +27206,7 @@
                     </a:schemeClr>
                   </a:solidFill>
                 </a:rPr>
-                <a:t>Rnd</a:t>
+                <a:t>rnd</a:t>
               </a:r>
               <a:r>
                 <a:rPr lang="en-AU" sz="1200" dirty="0">
@@ -27226,7 +27226,7 @@
                     </a:schemeClr>
                   </a:solidFill>
                 </a:rPr>
-                <a:t>ScreenHeight</a:t>
+                <a:t>screen_height</a:t>
               </a:r>
               <a:r>
                 <a:rPr lang="en-AU" sz="1200" dirty="0">
@@ -27246,7 +27246,7 @@
                     </a:schemeClr>
                   </a:solidFill>
                 </a:rPr>
-                <a:t>Rnd</a:t>
+                <a:t>rnd</a:t>
               </a:r>
               <a:r>
                 <a:rPr lang="en-AU" sz="1200" dirty="0">
@@ -27282,7 +27282,7 @@
                     </a:schemeClr>
                   </a:solidFill>
                 </a:rPr>
-                <a:t>RefreshScreen</a:t>
+                <a:t>refresh_screen</a:t>
               </a:r>
               <a:r>
                 <a:rPr lang="en-AU" sz="1200" dirty="0">
@@ -27306,7 +27306,7 @@
               </a:r>
               <a:r>
                 <a:rPr lang="en-AU" sz="1200" dirty="0" err="1"/>
-                <a:t>ProcessEvents</a:t>
+                <a:t>process_events</a:t>
               </a:r>
               <a:r>
                 <a:rPr lang="en-AU" sz="1200" dirty="0"/>
@@ -28744,7 +28744,7 @@
                     </a:schemeClr>
                   </a:solidFill>
                 </a:rPr>
-                <a:t>using static </a:t>
+                <a:t/>
               </a:r>
               <a:r>
                 <a:rPr lang="en-AU" sz="1200" dirty="0" err="1">
@@ -28754,7 +28754,7 @@
                     </a:schemeClr>
                   </a:solidFill>
                 </a:rPr>
-                <a:t>SplashKitSDK.SplashKit</a:t>
+                <a:t>#include "splashkit.h"</a:t>
               </a:r>
               <a:r>
                 <a:rPr lang="en-AU" sz="1200" dirty="0">
@@ -28793,7 +28793,7 @@
                     </a:schemeClr>
                   </a:solidFill>
                 </a:rPr>
-                <a:t>OpenWindow</a:t>
+                <a:t>open_window</a:t>
               </a:r>
               <a:r>
                 <a:rPr lang="en-AU" sz="1200" dirty="0">
@@ -28819,7 +28819,7 @@
                     </a:schemeClr>
                   </a:solidFill>
                 </a:rPr>
-                <a:t>ClearScreen</a:t>
+                <a:t>clear_screen</a:t>
               </a:r>
               <a:r>
                 <a:rPr lang="en-AU" sz="1200" dirty="0">
@@ -28839,7 +28839,7 @@
                     </a:schemeClr>
                   </a:solidFill>
                 </a:rPr>
-                <a:t>ColorYellow</a:t>
+                <a:t>color_yellow</a:t>
               </a:r>
               <a:r>
                 <a:rPr lang="en-AU" sz="1200" dirty="0">
@@ -28876,7 +28876,7 @@
               </a:r>
               <a:r>
                 <a:rPr lang="en-AU" sz="1200" dirty="0" err="1"/>
-                <a:t>QuitRequested</a:t>
+                <a:t>quit_requested</a:t>
               </a:r>
               <a:r>
                 <a:rPr lang="en-AU" sz="1200" dirty="0"/>
@@ -28922,7 +28922,7 @@
                     </a:schemeClr>
                   </a:solidFill>
                 </a:rPr>
-                <a:t>FillCircle</a:t>
+                <a:t>fill_circle</a:t>
               </a:r>
               <a:r>
                 <a:rPr lang="en-AU" sz="1200" dirty="0">
@@ -28942,7 +28942,7 @@
                     </a:schemeClr>
                   </a:solidFill>
                 </a:rPr>
-                <a:t>RandomColor</a:t>
+                <a:t>random_color</a:t>
               </a:r>
               <a:r>
                 <a:rPr lang="en-AU" sz="1200" dirty="0">
@@ -28962,7 +28962,7 @@
                     </a:schemeClr>
                   </a:solidFill>
                 </a:rPr>
-                <a:t>Rnd</a:t>
+                <a:t>rnd</a:t>
               </a:r>
               <a:r>
                 <a:rPr lang="en-AU" sz="1200" dirty="0">
@@ -28982,7 +28982,7 @@
                     </a:schemeClr>
                   </a:solidFill>
                 </a:rPr>
-                <a:t>ScreenWidth</a:t>
+                <a:t>screen_width</a:t>
               </a:r>
               <a:r>
                 <a:rPr lang="en-AU" sz="1200" dirty="0">
@@ -29002,7 +29002,7 @@
                     </a:schemeClr>
                   </a:solidFill>
                 </a:rPr>
-                <a:t>Rnd</a:t>
+                <a:t>rnd</a:t>
               </a:r>
               <a:r>
                 <a:rPr lang="en-AU" sz="1200" dirty="0">
@@ -29022,7 +29022,7 @@
                     </a:schemeClr>
                   </a:solidFill>
                 </a:rPr>
-                <a:t>ScreenHeight</a:t>
+                <a:t>screen_height</a:t>
               </a:r>
               <a:r>
                 <a:rPr lang="en-AU" sz="1200" dirty="0">
@@ -29042,7 +29042,7 @@
                     </a:schemeClr>
                   </a:solidFill>
                 </a:rPr>
-                <a:t>Rnd</a:t>
+                <a:t>rnd</a:t>
               </a:r>
               <a:r>
                 <a:rPr lang="en-AU" sz="1200" dirty="0">
@@ -29078,7 +29078,7 @@
                     </a:schemeClr>
                   </a:solidFill>
                 </a:rPr>
-                <a:t>RefreshScreen</a:t>
+                <a:t>refresh_screen</a:t>
               </a:r>
               <a:r>
                 <a:rPr lang="en-AU" sz="1200" dirty="0">
@@ -29114,7 +29114,7 @@
                     </a:schemeClr>
                   </a:solidFill>
                 </a:rPr>
-                <a:t>ProcessEvents</a:t>
+                <a:t>process_events</a:t>
               </a:r>
               <a:r>
                 <a:rPr lang="en-AU" sz="1200" dirty="0">
@@ -30588,7 +30588,7 @@
                     </a:schemeClr>
                   </a:solidFill>
                 </a:rPr>
-                <a:t>using static </a:t>
+                <a:t/>
               </a:r>
               <a:r>
                 <a:rPr lang="en-AU" sz="1200" dirty="0" err="1">
@@ -30598,7 +30598,7 @@
                     </a:schemeClr>
                   </a:solidFill>
                 </a:rPr>
-                <a:t>SplashKitSDK.SplashKit</a:t>
+                <a:t>#include "splashkit.h"</a:t>
               </a:r>
               <a:r>
                 <a:rPr lang="en-AU" sz="1200" dirty="0">
@@ -30637,7 +30637,7 @@
                     </a:schemeClr>
                   </a:solidFill>
                 </a:rPr>
-                <a:t>OpenWindow</a:t>
+                <a:t>open_window</a:t>
               </a:r>
               <a:r>
                 <a:rPr lang="en-AU" sz="1200" dirty="0">
@@ -30663,7 +30663,7 @@
                     </a:schemeClr>
                   </a:solidFill>
                 </a:rPr>
-                <a:t>ClearScreen</a:t>
+                <a:t>clear_screen</a:t>
               </a:r>
               <a:r>
                 <a:rPr lang="en-AU" sz="1200" dirty="0">
@@ -30683,7 +30683,7 @@
                     </a:schemeClr>
                   </a:solidFill>
                 </a:rPr>
-                <a:t>ColorYellow</a:t>
+                <a:t>color_yellow</a:t>
               </a:r>
               <a:r>
                 <a:rPr lang="en-AU" sz="1200" dirty="0">
@@ -30732,7 +30732,7 @@
                     </a:schemeClr>
                   </a:solidFill>
                 </a:rPr>
-                <a:t>QuitRequested</a:t>
+                <a:t>quit_requested</a:t>
               </a:r>
               <a:r>
                 <a:rPr lang="en-AU" sz="1200" dirty="0">
@@ -30772,7 +30772,7 @@
               </a:r>
               <a:r>
                 <a:rPr lang="en-AU" sz="1200" dirty="0" err="1"/>
-                <a:t>FillCircle</a:t>
+                <a:t>fill_circle</a:t>
               </a:r>
               <a:r>
                 <a:rPr lang="en-AU" sz="1200" dirty="0"/>
@@ -30780,7 +30780,7 @@
               </a:r>
               <a:r>
                 <a:rPr lang="en-AU" sz="1200" dirty="0" err="1"/>
-                <a:t>RandomColor</a:t>
+                <a:t>random_color</a:t>
               </a:r>
               <a:r>
                 <a:rPr lang="en-AU" sz="1200" dirty="0"/>
@@ -30788,7 +30788,7 @@
               </a:r>
               <a:r>
                 <a:rPr lang="en-AU" sz="1200" dirty="0" err="1"/>
-                <a:t>Rnd</a:t>
+                <a:t>rnd</a:t>
               </a:r>
               <a:r>
                 <a:rPr lang="en-AU" sz="1200" dirty="0"/>
@@ -30796,7 +30796,7 @@
               </a:r>
               <a:r>
                 <a:rPr lang="en-AU" sz="1200" dirty="0" err="1"/>
-                <a:t>ScreenWidth</a:t>
+                <a:t>screen_width</a:t>
               </a:r>
               <a:r>
                 <a:rPr lang="en-AU" sz="1200" dirty="0"/>
@@ -30804,7 +30804,7 @@
               </a:r>
               <a:r>
                 <a:rPr lang="en-AU" sz="1200" dirty="0" err="1"/>
-                <a:t>Rnd</a:t>
+                <a:t>rnd</a:t>
               </a:r>
               <a:r>
                 <a:rPr lang="en-AU" sz="1200" dirty="0"/>
@@ -30812,7 +30812,7 @@
               </a:r>
               <a:r>
                 <a:rPr lang="en-AU" sz="1200" dirty="0" err="1"/>
-                <a:t>ScreenHeight</a:t>
+                <a:t>screen_height</a:t>
               </a:r>
               <a:r>
                 <a:rPr lang="en-AU" sz="1200" dirty="0"/>
@@ -30820,7 +30820,7 @@
               </a:r>
               <a:r>
                 <a:rPr lang="en-AU" sz="1200" dirty="0" err="1"/>
-                <a:t>Rnd</a:t>
+                <a:t>rnd</a:t>
               </a:r>
               <a:r>
                 <a:rPr lang="en-AU" sz="1200" dirty="0"/>
@@ -30850,7 +30850,7 @@
                     </a:schemeClr>
                   </a:solidFill>
                 </a:rPr>
-                <a:t>RefreshScreen</a:t>
+                <a:t>refresh_screen</a:t>
               </a:r>
               <a:r>
                 <a:rPr lang="en-AU" sz="1200" dirty="0">
@@ -30886,7 +30886,7 @@
                     </a:schemeClr>
                   </a:solidFill>
                 </a:rPr>
-                <a:t>ProcessEvents</a:t>
+                <a:t>process_events</a:t>
               </a:r>
               <a:r>
                 <a:rPr lang="en-AU" sz="1200" dirty="0">
@@ -32379,7 +32379,7 @@
                     </a:schemeClr>
                   </a:solidFill>
                 </a:rPr>
-                <a:t>using static </a:t>
+                <a:t/>
               </a:r>
               <a:r>
                 <a:rPr lang="en-AU" sz="1200" dirty="0" err="1">
@@ -32389,7 +32389,7 @@
                     </a:schemeClr>
                   </a:solidFill>
                 </a:rPr>
-                <a:t>SplashKitSDK.SplashKit</a:t>
+                <a:t>#include "splashkit.h"</a:t>
               </a:r>
               <a:r>
                 <a:rPr lang="en-AU" sz="1200" dirty="0">
@@ -32428,7 +32428,7 @@
                     </a:schemeClr>
                   </a:solidFill>
                 </a:rPr>
-                <a:t>OpenWindow</a:t>
+                <a:t>open_window</a:t>
               </a:r>
               <a:r>
                 <a:rPr lang="en-AU" sz="1200" dirty="0">
@@ -32454,7 +32454,7 @@
                     </a:schemeClr>
                   </a:solidFill>
                 </a:rPr>
-                <a:t>ClearScreen</a:t>
+                <a:t>clear_screen</a:t>
               </a:r>
               <a:r>
                 <a:rPr lang="en-AU" sz="1200" dirty="0">
@@ -32474,7 +32474,7 @@
                     </a:schemeClr>
                   </a:solidFill>
                 </a:rPr>
-                <a:t>ColorYellow</a:t>
+                <a:t>color_yellow</a:t>
               </a:r>
               <a:r>
                 <a:rPr lang="en-AU" sz="1200" dirty="0">
@@ -32523,7 +32523,7 @@
                     </a:schemeClr>
                   </a:solidFill>
                 </a:rPr>
-                <a:t>QuitRequested</a:t>
+                <a:t>quit_requested</a:t>
               </a:r>
               <a:r>
                 <a:rPr lang="en-AU" sz="1200" dirty="0">
@@ -32575,7 +32575,7 @@
                     </a:schemeClr>
                   </a:solidFill>
                 </a:rPr>
-                <a:t>FillCircle</a:t>
+                <a:t>fill_circle</a:t>
               </a:r>
               <a:r>
                 <a:rPr lang="en-AU" sz="1200" dirty="0">
@@ -32595,7 +32595,7 @@
                     </a:schemeClr>
                   </a:solidFill>
                 </a:rPr>
-                <a:t>RandomColor</a:t>
+                <a:t>random_color</a:t>
               </a:r>
               <a:r>
                 <a:rPr lang="en-AU" sz="1200" dirty="0">
@@ -32615,7 +32615,7 @@
                     </a:schemeClr>
                   </a:solidFill>
                 </a:rPr>
-                <a:t>Rnd</a:t>
+                <a:t>rnd</a:t>
               </a:r>
               <a:r>
                 <a:rPr lang="en-AU" sz="1200" dirty="0">
@@ -32635,7 +32635,7 @@
                     </a:schemeClr>
                   </a:solidFill>
                 </a:rPr>
-                <a:t>ScreenWidth</a:t>
+                <a:t>screen_width</a:t>
               </a:r>
               <a:r>
                 <a:rPr lang="en-AU" sz="1200" dirty="0">
@@ -32655,7 +32655,7 @@
                     </a:schemeClr>
                   </a:solidFill>
                 </a:rPr>
-                <a:t>Rnd</a:t>
+                <a:t>rnd</a:t>
               </a:r>
               <a:r>
                 <a:rPr lang="en-AU" sz="1200" dirty="0">
@@ -32675,7 +32675,7 @@
                     </a:schemeClr>
                   </a:solidFill>
                 </a:rPr>
-                <a:t>ScreenHeight</a:t>
+                <a:t>screen_height</a:t>
               </a:r>
               <a:r>
                 <a:rPr lang="en-AU" sz="1200" dirty="0">
@@ -32695,7 +32695,7 @@
                     </a:schemeClr>
                   </a:solidFill>
                 </a:rPr>
-                <a:t>Rnd</a:t>
+                <a:t>rnd</a:t>
               </a:r>
               <a:r>
                 <a:rPr lang="en-AU" sz="1200" dirty="0">
@@ -32719,7 +32719,7 @@
               </a:r>
               <a:r>
                 <a:rPr lang="en-AU" sz="1200" dirty="0" err="1"/>
-                <a:t>RefreshScreen</a:t>
+                <a:t>refresh_screen</a:t>
               </a:r>
               <a:r>
                 <a:rPr lang="en-AU" sz="1200" dirty="0"/>
@@ -32749,7 +32749,7 @@
                     </a:schemeClr>
                   </a:solidFill>
                 </a:rPr>
-                <a:t>ProcessEvents</a:t>
+                <a:t>process_events</a:t>
               </a:r>
               <a:r>
                 <a:rPr lang="en-AU" sz="1200" dirty="0">
